--- a/lectures/HeatEquation.pptx
+++ b/lectures/HeatEquation.pptx
@@ -111,6 +111,11 @@
       </a:defRPr>
     </a:lvl9pPr>
   </p:defaultTextStyle>
+  <p:extLst>
+    <p:ext uri="{EFAFB233-063F-42B5-8137-9DF3F51BA10A}">
+      <p15:sldGuideLst xmlns:p15="http://schemas.microsoft.com/office/powerpoint/2012/main"/>
+    </p:ext>
+  </p:extLst>
 </p:presentation>
 </file>
 
@@ -3416,7 +3421,7 @@
           <a:p>
             <a:fld id="{4BB3F487-3A1E-47A8-A65E-E2CEE74CAADF}" type="datetimeFigureOut">
               <a:rPr lang="en-US" smtClean="0"/>
-              <a:t>2/24/2025</a:t>
+              <a:t>2/25/2025</a:t>
             </a:fld>
             <a:endParaRPr lang="en-US"/>
           </a:p>
@@ -3624,7 +3629,7 @@
           <a:p>
             <a:fld id="{4BB3F487-3A1E-47A8-A65E-E2CEE74CAADF}" type="datetimeFigureOut">
               <a:rPr lang="en-US" smtClean="0"/>
-              <a:t>2/24/2025</a:t>
+              <a:t>2/25/2025</a:t>
             </a:fld>
             <a:endParaRPr lang="en-US"/>
           </a:p>
@@ -3880,7 +3885,7 @@
           <a:p>
             <a:fld id="{4BB3F487-3A1E-47A8-A65E-E2CEE74CAADF}" type="datetimeFigureOut">
               <a:rPr lang="en-US" smtClean="0"/>
-              <a:t>2/24/2025</a:t>
+              <a:t>2/25/2025</a:t>
             </a:fld>
             <a:endParaRPr lang="en-US"/>
           </a:p>
@@ -4050,7 +4055,7 @@
           <a:p>
             <a:fld id="{4BB3F487-3A1E-47A8-A65E-E2CEE74CAADF}" type="datetimeFigureOut">
               <a:rPr lang="en-US" smtClean="0"/>
-              <a:t>2/24/2025</a:t>
+              <a:t>2/25/2025</a:t>
             </a:fld>
             <a:endParaRPr lang="en-US"/>
           </a:p>
@@ -4393,7 +4398,7 @@
           <a:p>
             <a:fld id="{4BB3F487-3A1E-47A8-A65E-E2CEE74CAADF}" type="datetimeFigureOut">
               <a:rPr lang="en-US" smtClean="0"/>
-              <a:t>2/24/2025</a:t>
+              <a:t>2/25/2025</a:t>
             </a:fld>
             <a:endParaRPr lang="en-US"/>
           </a:p>
@@ -4668,7 +4673,7 @@
           <a:p>
             <a:fld id="{4BB3F487-3A1E-47A8-A65E-E2CEE74CAADF}" type="datetimeFigureOut">
               <a:rPr lang="en-US" smtClean="0"/>
-              <a:t>2/24/2025</a:t>
+              <a:t>2/25/2025</a:t>
             </a:fld>
             <a:endParaRPr lang="en-US"/>
           </a:p>
@@ -5047,7 +5052,7 @@
           <a:p>
             <a:fld id="{4BB3F487-3A1E-47A8-A65E-E2CEE74CAADF}" type="datetimeFigureOut">
               <a:rPr lang="en-US" smtClean="0"/>
-              <a:t>2/24/2025</a:t>
+              <a:t>2/25/2025</a:t>
             </a:fld>
             <a:endParaRPr lang="en-US"/>
           </a:p>
@@ -5165,7 +5170,7 @@
           <a:p>
             <a:fld id="{4BB3F487-3A1E-47A8-A65E-E2CEE74CAADF}" type="datetimeFigureOut">
               <a:rPr lang="en-US" smtClean="0"/>
-              <a:t>2/24/2025</a:t>
+              <a:t>2/25/2025</a:t>
             </a:fld>
             <a:endParaRPr lang="en-US"/>
           </a:p>
@@ -5336,7 +5341,7 @@
           <a:p>
             <a:fld id="{4BB3F487-3A1E-47A8-A65E-E2CEE74CAADF}" type="datetimeFigureOut">
               <a:rPr lang="en-US" smtClean="0"/>
-              <a:t>2/24/2025</a:t>
+              <a:t>2/25/2025</a:t>
             </a:fld>
             <a:endParaRPr lang="en-US"/>
           </a:p>
@@ -5690,7 +5695,7 @@
           <a:p>
             <a:fld id="{4BB3F487-3A1E-47A8-A65E-E2CEE74CAADF}" type="datetimeFigureOut">
               <a:rPr lang="en-US" smtClean="0"/>
-              <a:t>2/24/2025</a:t>
+              <a:t>2/25/2025</a:t>
             </a:fld>
             <a:endParaRPr lang="en-US"/>
           </a:p>
@@ -6067,7 +6072,7 @@
           <a:p>
             <a:fld id="{4BB3F487-3A1E-47A8-A65E-E2CEE74CAADF}" type="datetimeFigureOut">
               <a:rPr lang="en-US" smtClean="0"/>
-              <a:t>2/24/2025</a:t>
+              <a:t>2/25/2025</a:t>
             </a:fld>
             <a:endParaRPr lang="en-US"/>
           </a:p>
@@ -6354,7 +6359,7 @@
           <a:p>
             <a:fld id="{4BB3F487-3A1E-47A8-A65E-E2CEE74CAADF}" type="datetimeFigureOut">
               <a:rPr lang="en-US" smtClean="0"/>
-              <a:t>2/24/2025</a:t>
+              <a:t>2/25/2025</a:t>
             </a:fld>
             <a:endParaRPr lang="en-US"/>
           </a:p>
@@ -8453,8 +8458,8 @@
           </a:fontRef>
         </p:style>
       </p:cxnSp>
-      <mc:AlternateContent xmlns:mc="http://schemas.openxmlformats.org/markup-compatibility/2006">
-        <mc:Choice xmlns:a14="http://schemas.microsoft.com/office/drawing/2010/main" Requires="a14">
+      <mc:AlternateContent xmlns:mc="http://schemas.openxmlformats.org/markup-compatibility/2006" xmlns:a14="http://schemas.microsoft.com/office/drawing/2010/main">
+        <mc:Choice Requires="a14">
           <p:sp>
             <p:nvSpPr>
               <p:cNvPr id="5" name="Content Placeholder 4">
@@ -8489,7 +8494,6 @@
                 </a:r>
               </a:p>
               <a:p>
-                <a:pPr/>
                 <a14:m>
                   <m:oMath xmlns:m="http://schemas.openxmlformats.org/officeDocument/2006/math">
                     <m:acc>
@@ -8585,7 +8589,7 @@
             </p:txBody>
           </p:sp>
         </mc:Choice>
-        <mc:Fallback>
+        <mc:Fallback xmlns="">
           <p:sp>
             <p:nvSpPr>
               <p:cNvPr id="5" name="Content Placeholder 4">
@@ -9377,7 +9381,6 @@
                 </a:r>
               </a:p>
               <a:p>
-                <a:pPr/>
                 <a14:m>
                   <m:oMath xmlns:m="http://schemas.openxmlformats.org/officeDocument/2006/math">
                     <m:f>
@@ -9417,15 +9420,34 @@
                       </a:rPr>
                       <m:t>𝛼</m:t>
                     </m:r>
-                    <m:r>
-                      <m:rPr>
-                        <m:sty m:val="p"/>
-                      </m:rPr>
-                      <a:rPr lang="en-US" sz="2400" b="0" i="0">
-                        <a:latin typeface="Cambria Math" panose="02040503050406030204" pitchFamily="18" charset="0"/>
-                      </a:rPr>
-                      <m:t>∇</m:t>
-                    </m:r>
+                    <m:sSup>
+                      <m:sSupPr>
+                        <m:ctrlPr>
+                          <a:rPr lang="en-US" sz="2400" b="0" i="1" smtClean="0">
+                            <a:latin typeface="Cambria Math" panose="02040503050406030204" pitchFamily="18" charset="0"/>
+                          </a:rPr>
+                        </m:ctrlPr>
+                      </m:sSupPr>
+                      <m:e>
+                        <m:r>
+                          <m:rPr>
+                            <m:sty m:val="p"/>
+                          </m:rPr>
+                          <a:rPr lang="en-US" sz="2400" b="0" i="0">
+                            <a:latin typeface="Cambria Math" panose="02040503050406030204" pitchFamily="18" charset="0"/>
+                          </a:rPr>
+                          <m:t>∇</m:t>
+                        </m:r>
+                      </m:e>
+                      <m:sup>
+                        <m:r>
+                          <a:rPr lang="en-US" sz="2400" b="0" i="1" smtClean="0">
+                            <a:latin typeface="Cambria Math" panose="02040503050406030204" pitchFamily="18" charset="0"/>
+                          </a:rPr>
+                          <m:t>2</m:t>
+                        </m:r>
+                      </m:sup>
+                    </m:sSup>
                     <m:r>
                       <a:rPr lang="en-US" sz="2400" b="0" i="1">
                         <a:latin typeface="Cambria Math" panose="02040503050406030204" pitchFamily="18" charset="0"/>
@@ -10013,8 +10035,8 @@
           </a:fontRef>
         </p:style>
       </p:cxnSp>
-      <mc:AlternateContent xmlns:mc="http://schemas.openxmlformats.org/markup-compatibility/2006">
-        <mc:Choice xmlns:a14="http://schemas.microsoft.com/office/drawing/2010/main" Requires="a14">
+      <mc:AlternateContent xmlns:mc="http://schemas.openxmlformats.org/markup-compatibility/2006" xmlns:a14="http://schemas.microsoft.com/office/drawing/2010/main">
+        <mc:Choice Requires="a14">
           <p:sp>
             <p:nvSpPr>
               <p:cNvPr id="3" name="Content Placeholder 2">
@@ -10276,7 +10298,7 @@
             </p:txBody>
           </p:sp>
         </mc:Choice>
-        <mc:Fallback>
+        <mc:Fallback xmlns="">
           <p:sp>
             <p:nvSpPr>
               <p:cNvPr id="3" name="Content Placeholder 2">
@@ -10913,8 +10935,8 @@
           </a:fontRef>
         </p:style>
       </p:cxnSp>
-      <mc:AlternateContent xmlns:mc="http://schemas.openxmlformats.org/markup-compatibility/2006">
-        <mc:Choice xmlns:a14="http://schemas.microsoft.com/office/drawing/2010/main" Requires="a14">
+      <mc:AlternateContent xmlns:mc="http://schemas.openxmlformats.org/markup-compatibility/2006" xmlns:a14="http://schemas.microsoft.com/office/drawing/2010/main">
+        <mc:Choice Requires="a14">
           <p:sp>
             <p:nvSpPr>
               <p:cNvPr id="3" name="Content Placeholder 2">
@@ -11515,7 +11537,7 @@
             </p:txBody>
           </p:sp>
         </mc:Choice>
-        <mc:Fallback>
+        <mc:Fallback xmlns="">
           <p:sp>
             <p:nvSpPr>
               <p:cNvPr id="3" name="Content Placeholder 2">
